--- a/Term Project CSC 667.pptx
+++ b/Term Project CSC 667.pptx
@@ -112,6 +112,11 @@
       </a:defRPr>
     </a:lvl9pPr>
   </p:defaultTextStyle>
+  <p:extLst>
+    <p:ext uri="{EFAFB233-063F-42B5-8137-9DF3F51BA10A}">
+      <p15:sldGuideLst xmlns:p15="http://schemas.microsoft.com/office/powerpoint/2012/main"/>
+    </p:ext>
+  </p:extLst>
 </p:presentation>
 </file>
 
@@ -157,7 +162,7 @@
           </a:lstStyle>
           <a:p>
             <a:r>
-              <a:rPr lang="en-US" smtClean="0"/>
+              <a:rPr lang="en-US"/>
               <a:t>Click to edit Master title style</a:t>
             </a:r>
             <a:endParaRPr lang="en-US" dirty="0"/>
@@ -274,7 +279,7 @@
           </a:lstStyle>
           <a:p>
             <a:r>
-              <a:rPr lang="en-US" smtClean="0"/>
+              <a:rPr lang="en-US"/>
               <a:t>Click to edit Master subtitle style</a:t>
             </a:r>
             <a:endParaRPr lang="en-US" dirty="0"/>
@@ -298,7 +303,7 @@
           <a:p>
             <a:fld id="{4AAD347D-5ACD-4C99-B74B-A9C85AD731AF}" type="datetimeFigureOut">
               <a:rPr lang="en-US" dirty="0"/>
-              <a:t>3/9/2017</a:t>
+              <a:t>3/10/2017</a:t>
             </a:fld>
             <a:endParaRPr lang="en-US" dirty="0"/>
           </a:p>
@@ -398,7 +403,7 @@
           </a:lstStyle>
           <a:p>
             <a:r>
-              <a:rPr lang="en-US" smtClean="0"/>
+              <a:rPr lang="en-US"/>
               <a:t>Click to edit Master title style</a:t>
             </a:r>
             <a:endParaRPr lang="en-US" dirty="0"/>
@@ -477,7 +482,7 @@
           </a:lstStyle>
           <a:p>
             <a:r>
-              <a:rPr lang="en-US" smtClean="0"/>
+              <a:rPr lang="en-US"/>
               <a:t>Click icon to add picture</a:t>
             </a:r>
             <a:endParaRPr lang="en-US" dirty="0"/>
@@ -545,7 +550,7 @@
           <a:p>
             <a:pPr lvl="0"/>
             <a:r>
-              <a:rPr lang="en-US" smtClean="0"/>
+              <a:rPr lang="en-US"/>
               <a:t>Click to edit Master text styles</a:t>
             </a:r>
           </a:p>
@@ -568,7 +573,7 @@
           <a:p>
             <a:fld id="{4509A250-FF31-4206-8172-F9D3106AACB1}" type="datetimeFigureOut">
               <a:rPr lang="en-US" dirty="0"/>
-              <a:t>3/9/2017</a:t>
+              <a:t>3/10/2017</a:t>
             </a:fld>
             <a:endParaRPr lang="en-US" dirty="0"/>
           </a:p>
@@ -666,7 +671,7 @@
           </a:lstStyle>
           <a:p>
             <a:r>
-              <a:rPr lang="en-US" smtClean="0"/>
+              <a:rPr lang="en-US"/>
               <a:t>Click to edit Master title style</a:t>
             </a:r>
             <a:endParaRPr lang="en-US" dirty="0"/>
@@ -734,7 +739,7 @@
           <a:p>
             <a:pPr lvl="0"/>
             <a:r>
-              <a:rPr lang="en-US" smtClean="0"/>
+              <a:rPr lang="en-US"/>
               <a:t>Click to edit Master text styles</a:t>
             </a:r>
           </a:p>
@@ -757,7 +762,7 @@
           <a:p>
             <a:fld id="{4509A250-FF31-4206-8172-F9D3106AACB1}" type="datetimeFigureOut">
               <a:rPr lang="en-US" dirty="0"/>
-              <a:t>3/9/2017</a:t>
+              <a:t>3/10/2017</a:t>
             </a:fld>
             <a:endParaRPr lang="en-US" dirty="0"/>
           </a:p>
@@ -855,7 +860,7 @@
           </a:lstStyle>
           <a:p>
             <a:r>
-              <a:rPr lang="en-US" smtClean="0"/>
+              <a:rPr lang="en-US"/>
               <a:t>Click to edit Master title style</a:t>
             </a:r>
             <a:endParaRPr lang="en-US" dirty="0"/>
@@ -930,7 +935,7 @@
           <a:p>
             <a:pPr lvl="0"/>
             <a:r>
-              <a:rPr lang="en-US" smtClean="0"/>
+              <a:rPr lang="en-US"/>
               <a:t>Click to edit Master text styles</a:t>
             </a:r>
           </a:p>
@@ -997,7 +1002,7 @@
           <a:p>
             <a:pPr lvl="0"/>
             <a:r>
-              <a:rPr lang="en-US" smtClean="0"/>
+              <a:rPr lang="en-US"/>
               <a:t>Click to edit Master text styles</a:t>
             </a:r>
           </a:p>
@@ -1020,7 +1025,7 @@
           <a:p>
             <a:fld id="{4509A250-FF31-4206-8172-F9D3106AACB1}" type="datetimeFigureOut">
               <a:rPr lang="en-US" dirty="0"/>
-              <a:t>3/9/2017</a:t>
+              <a:t>3/10/2017</a:t>
             </a:fld>
             <a:endParaRPr lang="en-US" dirty="0"/>
           </a:p>
@@ -1206,7 +1211,7 @@
           </a:lstStyle>
           <a:p>
             <a:r>
-              <a:rPr lang="en-US" smtClean="0"/>
+              <a:rPr lang="en-US"/>
               <a:t>Click to edit Master title style</a:t>
             </a:r>
             <a:endParaRPr lang="en-US" dirty="0"/>
@@ -1324,7 +1329,7 @@
           <a:p>
             <a:pPr lvl="0"/>
             <a:r>
-              <a:rPr lang="en-US" smtClean="0"/>
+              <a:rPr lang="en-US"/>
               <a:t>Click to edit Master text styles</a:t>
             </a:r>
           </a:p>
@@ -1347,7 +1352,7 @@
           <a:p>
             <a:fld id="{4509A250-FF31-4206-8172-F9D3106AACB1}" type="datetimeFigureOut">
               <a:rPr lang="en-US" dirty="0"/>
-              <a:t>3/9/2017</a:t>
+              <a:t>3/10/2017</a:t>
             </a:fld>
             <a:endParaRPr lang="en-US" dirty="0"/>
           </a:p>
@@ -1440,7 +1445,7 @@
           </a:lstStyle>
           <a:p>
             <a:r>
-              <a:rPr lang="en-US" smtClean="0"/>
+              <a:rPr lang="en-US"/>
               <a:t>Click to edit Master title style</a:t>
             </a:r>
             <a:endParaRPr lang="en-US" dirty="0"/>
@@ -1512,7 +1517,7 @@
           <a:p>
             <a:pPr lvl="0"/>
             <a:r>
-              <a:rPr lang="en-US" smtClean="0"/>
+              <a:rPr lang="en-US"/>
               <a:t>Click to edit Master text styles</a:t>
             </a:r>
           </a:p>
@@ -1579,7 +1584,7 @@
           <a:p>
             <a:pPr lvl="0"/>
             <a:r>
-              <a:rPr lang="en-US" smtClean="0"/>
+              <a:rPr lang="en-US"/>
               <a:t>Click to edit Master text styles</a:t>
             </a:r>
           </a:p>
@@ -1650,7 +1655,7 @@
           <a:p>
             <a:pPr lvl="0"/>
             <a:r>
-              <a:rPr lang="en-US" smtClean="0"/>
+              <a:rPr lang="en-US"/>
               <a:t>Click to edit Master text styles</a:t>
             </a:r>
           </a:p>
@@ -1717,7 +1722,7 @@
           <a:p>
             <a:pPr lvl="0"/>
             <a:r>
-              <a:rPr lang="en-US" smtClean="0"/>
+              <a:rPr lang="en-US"/>
               <a:t>Click to edit Master text styles</a:t>
             </a:r>
           </a:p>
@@ -1788,7 +1793,7 @@
           <a:p>
             <a:pPr lvl="0"/>
             <a:r>
-              <a:rPr lang="en-US" smtClean="0"/>
+              <a:rPr lang="en-US"/>
               <a:t>Click to edit Master text styles</a:t>
             </a:r>
           </a:p>
@@ -1855,7 +1860,7 @@
           <a:p>
             <a:pPr lvl="0"/>
             <a:r>
-              <a:rPr lang="en-US" smtClean="0"/>
+              <a:rPr lang="en-US"/>
               <a:t>Click to edit Master text styles</a:t>
             </a:r>
           </a:p>
@@ -1952,7 +1957,7 @@
           <a:p>
             <a:fld id="{4509A250-FF31-4206-8172-F9D3106AACB1}" type="datetimeFigureOut">
               <a:rPr lang="en-US" dirty="0"/>
-              <a:t>3/9/2017</a:t>
+              <a:t>3/10/2017</a:t>
             </a:fld>
             <a:endParaRPr lang="en-US" dirty="0"/>
           </a:p>
@@ -2045,7 +2050,7 @@
           </a:lstStyle>
           <a:p>
             <a:r>
-              <a:rPr lang="en-US" smtClean="0"/>
+              <a:rPr lang="en-US"/>
               <a:t>Click to edit Master title style</a:t>
             </a:r>
             <a:endParaRPr lang="en-US" dirty="0"/>
@@ -2117,7 +2122,7 @@
           <a:p>
             <a:pPr lvl="0"/>
             <a:r>
-              <a:rPr lang="en-US" smtClean="0"/>
+              <a:rPr lang="en-US"/>
               <a:t>Click to edit Master text styles</a:t>
             </a:r>
           </a:p>
@@ -2195,7 +2200,7 @@
           </a:lstStyle>
           <a:p>
             <a:r>
-              <a:rPr lang="en-US" smtClean="0"/>
+              <a:rPr lang="en-US"/>
               <a:t>Click icon to add picture</a:t>
             </a:r>
             <a:endParaRPr lang="en-US" dirty="0"/>
@@ -2263,7 +2268,7 @@
           <a:p>
             <a:pPr lvl="0"/>
             <a:r>
-              <a:rPr lang="en-US" smtClean="0"/>
+              <a:rPr lang="en-US"/>
               <a:t>Click to edit Master text styles</a:t>
             </a:r>
           </a:p>
@@ -2334,7 +2339,7 @@
           <a:p>
             <a:pPr lvl="0"/>
             <a:r>
-              <a:rPr lang="en-US" smtClean="0"/>
+              <a:rPr lang="en-US"/>
               <a:t>Click to edit Master text styles</a:t>
             </a:r>
           </a:p>
@@ -2412,7 +2417,7 @@
           </a:lstStyle>
           <a:p>
             <a:r>
-              <a:rPr lang="en-US" smtClean="0"/>
+              <a:rPr lang="en-US"/>
               <a:t>Click icon to add picture</a:t>
             </a:r>
             <a:endParaRPr lang="en-US" dirty="0"/>
@@ -2480,7 +2485,7 @@
           <a:p>
             <a:pPr lvl="0"/>
             <a:r>
-              <a:rPr lang="en-US" smtClean="0"/>
+              <a:rPr lang="en-US"/>
               <a:t>Click to edit Master text styles</a:t>
             </a:r>
           </a:p>
@@ -2551,7 +2556,7 @@
           <a:p>
             <a:pPr lvl="0"/>
             <a:r>
-              <a:rPr lang="en-US" smtClean="0"/>
+              <a:rPr lang="en-US"/>
               <a:t>Click to edit Master text styles</a:t>
             </a:r>
           </a:p>
@@ -2629,7 +2634,7 @@
           </a:lstStyle>
           <a:p>
             <a:r>
-              <a:rPr lang="en-US" smtClean="0"/>
+              <a:rPr lang="en-US"/>
               <a:t>Click icon to add picture</a:t>
             </a:r>
             <a:endParaRPr lang="en-US" dirty="0"/>
@@ -2697,7 +2702,7 @@
           <a:p>
             <a:pPr lvl="0"/>
             <a:r>
-              <a:rPr lang="en-US" smtClean="0"/>
+              <a:rPr lang="en-US"/>
               <a:t>Click to edit Master text styles</a:t>
             </a:r>
           </a:p>
@@ -2794,7 +2799,7 @@
           <a:p>
             <a:fld id="{4509A250-FF31-4206-8172-F9D3106AACB1}" type="datetimeFigureOut">
               <a:rPr lang="en-US" dirty="0"/>
-              <a:t>3/9/2017</a:t>
+              <a:t>3/10/2017</a:t>
             </a:fld>
             <a:endParaRPr lang="en-US" dirty="0"/>
           </a:p>
@@ -2883,7 +2888,7 @@
           <a:lstStyle/>
           <a:p>
             <a:r>
-              <a:rPr lang="en-US" smtClean="0"/>
+              <a:rPr lang="en-US"/>
               <a:t>Click to edit Master title style</a:t>
             </a:r>
             <a:endParaRPr lang="en-US" dirty="0"/>
@@ -2907,35 +2912,35 @@
           <a:p>
             <a:pPr lvl="0"/>
             <a:r>
-              <a:rPr lang="en-US" smtClean="0"/>
+              <a:rPr lang="en-US"/>
               <a:t>Click to edit Master text styles</a:t>
             </a:r>
           </a:p>
           <a:p>
             <a:pPr lvl="1"/>
             <a:r>
-              <a:rPr lang="en-US" smtClean="0"/>
+              <a:rPr lang="en-US"/>
               <a:t>Second level</a:t>
             </a:r>
           </a:p>
           <a:p>
             <a:pPr lvl="2"/>
             <a:r>
-              <a:rPr lang="en-US" smtClean="0"/>
+              <a:rPr lang="en-US"/>
               <a:t>Third level</a:t>
             </a:r>
           </a:p>
           <a:p>
             <a:pPr lvl="3"/>
             <a:r>
-              <a:rPr lang="en-US" smtClean="0"/>
+              <a:rPr lang="en-US"/>
               <a:t>Fourth level</a:t>
             </a:r>
           </a:p>
           <a:p>
             <a:pPr lvl="4"/>
             <a:r>
-              <a:rPr lang="en-US" smtClean="0"/>
+              <a:rPr lang="en-US"/>
               <a:t>Fifth level</a:t>
             </a:r>
             <a:endParaRPr lang="en-US" dirty="0"/>
@@ -2959,7 +2964,7 @@
           <a:p>
             <a:fld id="{4509A250-FF31-4206-8172-F9D3106AACB1}" type="datetimeFigureOut">
               <a:rPr lang="en-US" dirty="0"/>
-              <a:t>3/9/2017</a:t>
+              <a:t>3/10/2017</a:t>
             </a:fld>
             <a:endParaRPr lang="en-US" dirty="0"/>
           </a:p>
@@ -3053,7 +3058,7 @@
           <a:lstStyle/>
           <a:p>
             <a:r>
-              <a:rPr lang="en-US" smtClean="0"/>
+              <a:rPr lang="en-US"/>
               <a:t>Click to edit Master title style</a:t>
             </a:r>
             <a:endParaRPr lang="en-US" dirty="0"/>
@@ -3082,35 +3087,35 @@
           <a:p>
             <a:pPr lvl="0"/>
             <a:r>
-              <a:rPr lang="en-US" smtClean="0"/>
+              <a:rPr lang="en-US"/>
               <a:t>Click to edit Master text styles</a:t>
             </a:r>
           </a:p>
           <a:p>
             <a:pPr lvl="1"/>
             <a:r>
-              <a:rPr lang="en-US" smtClean="0"/>
+              <a:rPr lang="en-US"/>
               <a:t>Second level</a:t>
             </a:r>
           </a:p>
           <a:p>
             <a:pPr lvl="2"/>
             <a:r>
-              <a:rPr lang="en-US" smtClean="0"/>
+              <a:rPr lang="en-US"/>
               <a:t>Third level</a:t>
             </a:r>
           </a:p>
           <a:p>
             <a:pPr lvl="3"/>
             <a:r>
-              <a:rPr lang="en-US" smtClean="0"/>
+              <a:rPr lang="en-US"/>
               <a:t>Fourth level</a:t>
             </a:r>
           </a:p>
           <a:p>
             <a:pPr lvl="4"/>
             <a:r>
-              <a:rPr lang="en-US" smtClean="0"/>
+              <a:rPr lang="en-US"/>
               <a:t>Fifth level</a:t>
             </a:r>
             <a:endParaRPr lang="en-US" dirty="0"/>
@@ -3134,7 +3139,7 @@
           <a:p>
             <a:fld id="{4509A250-FF31-4206-8172-F9D3106AACB1}" type="datetimeFigureOut">
               <a:rPr lang="en-US" dirty="0"/>
-              <a:t>3/9/2017</a:t>
+              <a:t>3/10/2017</a:t>
             </a:fld>
             <a:endParaRPr lang="en-US" dirty="0"/>
           </a:p>
@@ -3223,7 +3228,7 @@
           <a:lstStyle/>
           <a:p>
             <a:r>
-              <a:rPr lang="en-US" smtClean="0"/>
+              <a:rPr lang="en-US"/>
               <a:t>Click to edit Master title style</a:t>
             </a:r>
             <a:endParaRPr lang="en-US" dirty="0"/>
@@ -3247,35 +3252,35 @@
           <a:p>
             <a:pPr lvl="0"/>
             <a:r>
-              <a:rPr lang="en-US" smtClean="0"/>
+              <a:rPr lang="en-US"/>
               <a:t>Click to edit Master text styles</a:t>
             </a:r>
           </a:p>
           <a:p>
             <a:pPr lvl="1"/>
             <a:r>
-              <a:rPr lang="en-US" smtClean="0"/>
+              <a:rPr lang="en-US"/>
               <a:t>Second level</a:t>
             </a:r>
           </a:p>
           <a:p>
             <a:pPr lvl="2"/>
             <a:r>
-              <a:rPr lang="en-US" smtClean="0"/>
+              <a:rPr lang="en-US"/>
               <a:t>Third level</a:t>
             </a:r>
           </a:p>
           <a:p>
             <a:pPr lvl="3"/>
             <a:r>
-              <a:rPr lang="en-US" smtClean="0"/>
+              <a:rPr lang="en-US"/>
               <a:t>Fourth level</a:t>
             </a:r>
           </a:p>
           <a:p>
             <a:pPr lvl="4"/>
             <a:r>
-              <a:rPr lang="en-US" smtClean="0"/>
+              <a:rPr lang="en-US"/>
               <a:t>Fifth level</a:t>
             </a:r>
             <a:endParaRPr lang="en-US" dirty="0"/>
@@ -3299,7 +3304,7 @@
           <a:p>
             <a:fld id="{4509A250-FF31-4206-8172-F9D3106AACB1}" type="datetimeFigureOut">
               <a:rPr lang="en-US" dirty="0"/>
-              <a:t>3/9/2017</a:t>
+              <a:t>3/10/2017</a:t>
             </a:fld>
             <a:endParaRPr lang="en-US" dirty="0"/>
           </a:p>
@@ -3397,7 +3402,7 @@
           </a:lstStyle>
           <a:p>
             <a:r>
-              <a:rPr lang="en-US" smtClean="0"/>
+              <a:rPr lang="en-US"/>
               <a:t>Click to edit Master title style</a:t>
             </a:r>
             <a:endParaRPr lang="en-US" dirty="0"/>
@@ -3515,7 +3520,7 @@
           <a:p>
             <a:pPr lvl="0"/>
             <a:r>
-              <a:rPr lang="en-US" smtClean="0"/>
+              <a:rPr lang="en-US"/>
               <a:t>Click to edit Master text styles</a:t>
             </a:r>
           </a:p>
@@ -3538,7 +3543,7 @@
           <a:p>
             <a:fld id="{9796027F-7875-4030-9381-8BD8C4F21935}" type="datetimeFigureOut">
               <a:rPr lang="en-US" dirty="0"/>
-              <a:t>3/9/2017</a:t>
+              <a:t>3/10/2017</a:t>
             </a:fld>
             <a:endParaRPr lang="en-US" dirty="0"/>
           </a:p>
@@ -3627,7 +3632,7 @@
           <a:lstStyle/>
           <a:p>
             <a:r>
-              <a:rPr lang="en-US" smtClean="0"/>
+              <a:rPr lang="en-US"/>
               <a:t>Click to edit Master title style</a:t>
             </a:r>
             <a:endParaRPr lang="en-US" dirty="0"/>
@@ -3686,35 +3691,35 @@
           <a:p>
             <a:pPr lvl="0"/>
             <a:r>
-              <a:rPr lang="en-US" smtClean="0"/>
+              <a:rPr lang="en-US"/>
               <a:t>Click to edit Master text styles</a:t>
             </a:r>
           </a:p>
           <a:p>
             <a:pPr lvl="1"/>
             <a:r>
-              <a:rPr lang="en-US" smtClean="0"/>
+              <a:rPr lang="en-US"/>
               <a:t>Second level</a:t>
             </a:r>
           </a:p>
           <a:p>
             <a:pPr lvl="2"/>
             <a:r>
-              <a:rPr lang="en-US" smtClean="0"/>
+              <a:rPr lang="en-US"/>
               <a:t>Third level</a:t>
             </a:r>
           </a:p>
           <a:p>
             <a:pPr lvl="3"/>
             <a:r>
-              <a:rPr lang="en-US" smtClean="0"/>
+              <a:rPr lang="en-US"/>
               <a:t>Fourth level</a:t>
             </a:r>
           </a:p>
           <a:p>
             <a:pPr lvl="4"/>
             <a:r>
-              <a:rPr lang="en-US" smtClean="0"/>
+              <a:rPr lang="en-US"/>
               <a:t>Fifth level</a:t>
             </a:r>
             <a:endParaRPr lang="en-US" dirty="0"/>
@@ -3773,35 +3778,35 @@
           <a:p>
             <a:pPr lvl="0"/>
             <a:r>
-              <a:rPr lang="en-US" smtClean="0"/>
+              <a:rPr lang="en-US"/>
               <a:t>Click to edit Master text styles</a:t>
             </a:r>
           </a:p>
           <a:p>
             <a:pPr lvl="1"/>
             <a:r>
-              <a:rPr lang="en-US" smtClean="0"/>
+              <a:rPr lang="en-US"/>
               <a:t>Second level</a:t>
             </a:r>
           </a:p>
           <a:p>
             <a:pPr lvl="2"/>
             <a:r>
-              <a:rPr lang="en-US" smtClean="0"/>
+              <a:rPr lang="en-US"/>
               <a:t>Third level</a:t>
             </a:r>
           </a:p>
           <a:p>
             <a:pPr lvl="3"/>
             <a:r>
-              <a:rPr lang="en-US" smtClean="0"/>
+              <a:rPr lang="en-US"/>
               <a:t>Fourth level</a:t>
             </a:r>
           </a:p>
           <a:p>
             <a:pPr lvl="4"/>
             <a:r>
-              <a:rPr lang="en-US" smtClean="0"/>
+              <a:rPr lang="en-US"/>
               <a:t>Fifth level</a:t>
             </a:r>
             <a:endParaRPr lang="en-US" dirty="0"/>
@@ -3825,7 +3830,7 @@
           <a:p>
             <a:fld id="{9796027F-7875-4030-9381-8BD8C4F21935}" type="datetimeFigureOut">
               <a:rPr lang="en-US" dirty="0"/>
-              <a:t>3/9/2017</a:t>
+              <a:t>3/10/2017</a:t>
             </a:fld>
             <a:endParaRPr lang="en-US" dirty="0"/>
           </a:p>
@@ -3918,7 +3923,7 @@
           </a:lstStyle>
           <a:p>
             <a:r>
-              <a:rPr lang="en-US" smtClean="0"/>
+              <a:rPr lang="en-US"/>
               <a:t>Click to edit Master title style</a:t>
             </a:r>
             <a:endParaRPr lang="en-US" dirty="0"/>
@@ -3990,7 +3995,7 @@
           <a:p>
             <a:pPr lvl="0"/>
             <a:r>
-              <a:rPr lang="en-US" smtClean="0"/>
+              <a:rPr lang="en-US"/>
               <a:t>Click to edit Master text styles</a:t>
             </a:r>
           </a:p>
@@ -4048,35 +4053,35 @@
           <a:p>
             <a:pPr lvl="0"/>
             <a:r>
-              <a:rPr lang="en-US" smtClean="0"/>
+              <a:rPr lang="en-US"/>
               <a:t>Click to edit Master text styles</a:t>
             </a:r>
           </a:p>
           <a:p>
             <a:pPr lvl="1"/>
             <a:r>
-              <a:rPr lang="en-US" smtClean="0"/>
+              <a:rPr lang="en-US"/>
               <a:t>Second level</a:t>
             </a:r>
           </a:p>
           <a:p>
             <a:pPr lvl="2"/>
             <a:r>
-              <a:rPr lang="en-US" smtClean="0"/>
+              <a:rPr lang="en-US"/>
               <a:t>Third level</a:t>
             </a:r>
           </a:p>
           <a:p>
             <a:pPr lvl="3"/>
             <a:r>
-              <a:rPr lang="en-US" smtClean="0"/>
+              <a:rPr lang="en-US"/>
               <a:t>Fourth level</a:t>
             </a:r>
           </a:p>
           <a:p>
             <a:pPr lvl="4"/>
             <a:r>
-              <a:rPr lang="en-US" smtClean="0"/>
+              <a:rPr lang="en-US"/>
               <a:t>Fifth level</a:t>
             </a:r>
             <a:endParaRPr lang="en-US" dirty="0"/>
@@ -4148,7 +4153,7 @@
           <a:p>
             <a:pPr lvl="0"/>
             <a:r>
-              <a:rPr lang="en-US" smtClean="0"/>
+              <a:rPr lang="en-US"/>
               <a:t>Click to edit Master text styles</a:t>
             </a:r>
           </a:p>
@@ -4206,35 +4211,35 @@
           <a:p>
             <a:pPr lvl="0"/>
             <a:r>
-              <a:rPr lang="en-US" smtClean="0"/>
+              <a:rPr lang="en-US"/>
               <a:t>Click to edit Master text styles</a:t>
             </a:r>
           </a:p>
           <a:p>
             <a:pPr lvl="1"/>
             <a:r>
-              <a:rPr lang="en-US" smtClean="0"/>
+              <a:rPr lang="en-US"/>
               <a:t>Second level</a:t>
             </a:r>
           </a:p>
           <a:p>
             <a:pPr lvl="2"/>
             <a:r>
-              <a:rPr lang="en-US" smtClean="0"/>
+              <a:rPr lang="en-US"/>
               <a:t>Third level</a:t>
             </a:r>
           </a:p>
           <a:p>
             <a:pPr lvl="3"/>
             <a:r>
-              <a:rPr lang="en-US" smtClean="0"/>
+              <a:rPr lang="en-US"/>
               <a:t>Fourth level</a:t>
             </a:r>
           </a:p>
           <a:p>
             <a:pPr lvl="4"/>
             <a:r>
-              <a:rPr lang="en-US" smtClean="0"/>
+              <a:rPr lang="en-US"/>
               <a:t>Fifth level</a:t>
             </a:r>
             <a:endParaRPr lang="en-US" dirty="0"/>
@@ -4258,7 +4263,7 @@
           <a:p>
             <a:fld id="{9796027F-7875-4030-9381-8BD8C4F21935}" type="datetimeFigureOut">
               <a:rPr lang="en-US" dirty="0"/>
-              <a:t>3/9/2017</a:t>
+              <a:t>3/10/2017</a:t>
             </a:fld>
             <a:endParaRPr lang="en-US" dirty="0"/>
           </a:p>
@@ -4347,7 +4352,7 @@
           <a:lstStyle/>
           <a:p>
             <a:r>
-              <a:rPr lang="en-US" smtClean="0"/>
+              <a:rPr lang="en-US"/>
               <a:t>Click to edit Master title style</a:t>
             </a:r>
             <a:endParaRPr lang="en-US" dirty="0"/>
@@ -4371,7 +4376,7 @@
           <a:p>
             <a:fld id="{4509A250-FF31-4206-8172-F9D3106AACB1}" type="datetimeFigureOut">
               <a:rPr lang="en-US" dirty="0"/>
-              <a:t>3/9/2017</a:t>
+              <a:t>3/10/2017</a:t>
             </a:fld>
             <a:endParaRPr lang="en-US" dirty="0"/>
           </a:p>
@@ -4461,7 +4466,7 @@
           <a:p>
             <a:fld id="{4509A250-FF31-4206-8172-F9D3106AACB1}" type="datetimeFigureOut">
               <a:rPr lang="en-US" dirty="0"/>
-              <a:t>3/9/2017</a:t>
+              <a:t>3/10/2017</a:t>
             </a:fld>
             <a:endParaRPr lang="en-US" dirty="0"/>
           </a:p>
@@ -4559,7 +4564,7 @@
           </a:lstStyle>
           <a:p>
             <a:r>
-              <a:rPr lang="en-US" smtClean="0"/>
+              <a:rPr lang="en-US"/>
               <a:t>Click to edit Master title style</a:t>
             </a:r>
             <a:endParaRPr lang="en-US" dirty="0"/>
@@ -4618,35 +4623,35 @@
           <a:p>
             <a:pPr lvl="0"/>
             <a:r>
-              <a:rPr lang="en-US" smtClean="0"/>
+              <a:rPr lang="en-US"/>
               <a:t>Click to edit Master text styles</a:t>
             </a:r>
           </a:p>
           <a:p>
             <a:pPr lvl="1"/>
             <a:r>
-              <a:rPr lang="en-US" smtClean="0"/>
+              <a:rPr lang="en-US"/>
               <a:t>Second level</a:t>
             </a:r>
           </a:p>
           <a:p>
             <a:pPr lvl="2"/>
             <a:r>
-              <a:rPr lang="en-US" smtClean="0"/>
+              <a:rPr lang="en-US"/>
               <a:t>Third level</a:t>
             </a:r>
           </a:p>
           <a:p>
             <a:pPr lvl="3"/>
             <a:r>
-              <a:rPr lang="en-US" smtClean="0"/>
+              <a:rPr lang="en-US"/>
               <a:t>Fourth level</a:t>
             </a:r>
           </a:p>
           <a:p>
             <a:pPr lvl="4"/>
             <a:r>
-              <a:rPr lang="en-US" smtClean="0"/>
+              <a:rPr lang="en-US"/>
               <a:t>Fifth level</a:t>
             </a:r>
             <a:endParaRPr lang="en-US" dirty="0"/>
@@ -4712,7 +4717,7 @@
           <a:p>
             <a:pPr lvl="0"/>
             <a:r>
-              <a:rPr lang="en-US" smtClean="0"/>
+              <a:rPr lang="en-US"/>
               <a:t>Click to edit Master text styles</a:t>
             </a:r>
           </a:p>
@@ -4735,7 +4740,7 @@
           <a:p>
             <a:fld id="{4509A250-FF31-4206-8172-F9D3106AACB1}" type="datetimeFigureOut">
               <a:rPr lang="en-US" dirty="0"/>
-              <a:t>3/9/2017</a:t>
+              <a:t>3/10/2017</a:t>
             </a:fld>
             <a:endParaRPr lang="en-US" dirty="0"/>
           </a:p>
@@ -4835,7 +4840,7 @@
           </a:lstStyle>
           <a:p>
             <a:r>
-              <a:rPr lang="en-US" smtClean="0"/>
+              <a:rPr lang="en-US"/>
               <a:t>Click to edit Master title style</a:t>
             </a:r>
             <a:endParaRPr lang="en-US" dirty="0"/>
@@ -4914,7 +4919,7 @@
           </a:lstStyle>
           <a:p>
             <a:r>
-              <a:rPr lang="en-US" smtClean="0"/>
+              <a:rPr lang="en-US"/>
               <a:t>Click icon to add picture</a:t>
             </a:r>
             <a:endParaRPr lang="en-US" dirty="0"/>
@@ -4982,7 +4987,7 @@
           <a:p>
             <a:pPr lvl="0"/>
             <a:r>
-              <a:rPr lang="en-US" smtClean="0"/>
+              <a:rPr lang="en-US"/>
               <a:t>Click to edit Master text styles</a:t>
             </a:r>
           </a:p>
@@ -5005,7 +5010,7 @@
           <a:p>
             <a:fld id="{4509A250-FF31-4206-8172-F9D3106AACB1}" type="datetimeFigureOut">
               <a:rPr lang="en-US" dirty="0"/>
-              <a:t>3/9/2017</a:t>
+              <a:t>3/10/2017</a:t>
             </a:fld>
             <a:endParaRPr lang="en-US" dirty="0"/>
           </a:p>
@@ -5324,7 +5329,7 @@
           <a:lstStyle/>
           <a:p>
             <a:r>
-              <a:rPr lang="en-US" smtClean="0"/>
+              <a:rPr lang="en-US"/>
               <a:t>Click to edit Master title style</a:t>
             </a:r>
             <a:endParaRPr lang="en-US" dirty="0"/>
@@ -5358,35 +5363,35 @@
           <a:p>
             <a:pPr lvl="0"/>
             <a:r>
-              <a:rPr lang="en-US" smtClean="0"/>
+              <a:rPr lang="en-US"/>
               <a:t>Click to edit Master text styles</a:t>
             </a:r>
           </a:p>
           <a:p>
             <a:pPr lvl="1"/>
             <a:r>
-              <a:rPr lang="en-US" smtClean="0"/>
+              <a:rPr lang="en-US"/>
               <a:t>Second level</a:t>
             </a:r>
           </a:p>
           <a:p>
             <a:pPr lvl="2"/>
             <a:r>
-              <a:rPr lang="en-US" smtClean="0"/>
+              <a:rPr lang="en-US"/>
               <a:t>Third level</a:t>
             </a:r>
           </a:p>
           <a:p>
             <a:pPr lvl="3"/>
             <a:r>
-              <a:rPr lang="en-US" smtClean="0"/>
+              <a:rPr lang="en-US"/>
               <a:t>Fourth level</a:t>
             </a:r>
           </a:p>
           <a:p>
             <a:pPr lvl="4"/>
             <a:r>
-              <a:rPr lang="en-US" smtClean="0"/>
+              <a:rPr lang="en-US"/>
               <a:t>Fifth level</a:t>
             </a:r>
             <a:endParaRPr lang="en-US" dirty="0"/>
@@ -5429,7 +5434,7 @@
           <a:p>
             <a:fld id="{4AAD347D-5ACD-4C99-B74B-A9C85AD731AF}" type="datetimeFigureOut">
               <a:rPr lang="en-US" dirty="0"/>
-              <a:t>3/9/2017</a:t>
+              <a:t>3/10/2017</a:t>
             </a:fld>
             <a:endParaRPr lang="en-US" dirty="0"/>
           </a:p>
@@ -5943,7 +5948,7 @@
           <a:p>
             <a:pPr algn="ctr"/>
             <a:r>
-              <a:rPr lang="en-US" sz="7200" dirty="0" smtClean="0">
+              <a:rPr lang="en-US" sz="7200" dirty="0">
                 <a:effectLst>
                   <a:glow rad="228600">
                     <a:schemeClr val="accent6">
@@ -5956,11 +5961,11 @@
               <a:t>Term</a:t>
             </a:r>
             <a:r>
-              <a:rPr lang="en-US" sz="7200" dirty="0" smtClean="0"/>
+              <a:rPr lang="en-US" sz="7200" dirty="0"/>
               <a:t> </a:t>
             </a:r>
             <a:r>
-              <a:rPr lang="en-US" sz="7200" dirty="0" smtClean="0">
+              <a:rPr lang="en-US" sz="7200" dirty="0">
                 <a:effectLst>
                   <a:glow rad="228600">
                     <a:schemeClr val="accent6">
@@ -5972,16 +5977,6 @@
               </a:rPr>
               <a:t>Project</a:t>
             </a:r>
-            <a:endParaRPr lang="en-US" sz="7200" dirty="0">
-              <a:effectLst>
-                <a:glow rad="228600">
-                  <a:schemeClr val="accent6">
-                    <a:satMod val="175000"/>
-                    <a:alpha val="40000"/>
-                  </a:schemeClr>
-                </a:glow>
-              </a:effectLst>
-            </a:endParaRPr>
           </a:p>
         </p:txBody>
       </p:sp>
@@ -6006,7 +6001,7 @@
               <a:buNone/>
             </a:pPr>
             <a:r>
-              <a:rPr lang="en-US" sz="7200" dirty="0" smtClean="0">
+              <a:rPr lang="en-US" sz="7200" dirty="0">
                 <a:effectLst>
                   <a:glow rad="228600">
                     <a:schemeClr val="accent6">
@@ -6019,11 +6014,11 @@
               <a:t>Team</a:t>
             </a:r>
             <a:r>
-              <a:rPr lang="en-US" sz="7200" dirty="0" smtClean="0"/>
+              <a:rPr lang="en-US" sz="7200" dirty="0"/>
               <a:t> </a:t>
             </a:r>
             <a:r>
-              <a:rPr lang="en-US" sz="7200" dirty="0" smtClean="0">
+              <a:rPr lang="en-US" sz="7200" dirty="0">
                 <a:effectLst>
                   <a:glow rad="228600">
                     <a:schemeClr val="accent6">
@@ -6036,7 +6031,7 @@
               <a:t>B.S</a:t>
             </a:r>
             <a:r>
-              <a:rPr lang="en-US" sz="7200" dirty="0" smtClean="0"/>
+              <a:rPr lang="en-US" sz="7200" dirty="0"/>
               <a:t>.</a:t>
             </a:r>
           </a:p>
@@ -6045,7 +6040,7 @@
               <a:buNone/>
             </a:pPr>
             <a:r>
-              <a:rPr lang="en-US" sz="7200" dirty="0" smtClean="0">
+              <a:rPr lang="en-US" sz="7200" dirty="0">
                 <a:effectLst>
                   <a:glow rad="228600">
                     <a:schemeClr val="accent6">
@@ -6058,11 +6053,11 @@
               <a:t>B.S</a:t>
             </a:r>
             <a:r>
-              <a:rPr lang="en-US" sz="7200" dirty="0" smtClean="0"/>
+              <a:rPr lang="en-US" sz="7200" dirty="0"/>
               <a:t>. </a:t>
             </a:r>
             <a:r>
-              <a:rPr lang="en-US" sz="7200" dirty="0" smtClean="0">
+              <a:rPr lang="en-US" sz="7200" dirty="0">
                 <a:effectLst>
                   <a:glow rad="228600">
                     <a:schemeClr val="accent6">
@@ -6080,7 +6075,7 @@
               <a:buNone/>
             </a:pPr>
             <a:r>
-              <a:rPr lang="en-US" sz="1600" dirty="0" smtClean="0"/>
+              <a:rPr lang="en-US" sz="1600" dirty="0"/>
               <a:t>Jimmy Chung</a:t>
             </a:r>
           </a:p>
@@ -6089,11 +6084,11 @@
               <a:buNone/>
             </a:pPr>
             <a:r>
-              <a:rPr lang="en-US" sz="1600" dirty="0" err="1" smtClean="0"/>
+              <a:rPr lang="en-US" sz="1600" dirty="0" err="1"/>
               <a:t>Yuning</a:t>
             </a:r>
             <a:r>
-              <a:rPr lang="en-US" sz="1600" dirty="0" smtClean="0"/>
+              <a:rPr lang="en-US" sz="1600" dirty="0"/>
               <a:t> Hong</a:t>
             </a:r>
           </a:p>
@@ -6102,7 +6097,7 @@
               <a:buNone/>
             </a:pPr>
             <a:r>
-              <a:rPr lang="en-US" sz="1600" dirty="0" smtClean="0"/>
+              <a:rPr lang="en-US" sz="1600" dirty="0"/>
               <a:t>Jordan Leong</a:t>
             </a:r>
           </a:p>
@@ -6111,11 +6106,11 @@
               <a:buNone/>
             </a:pPr>
             <a:r>
-              <a:rPr lang="en-US" sz="1600" dirty="0" smtClean="0"/>
+              <a:rPr lang="en-US" sz="1600" dirty="0"/>
               <a:t>Steven </a:t>
             </a:r>
             <a:r>
-              <a:rPr lang="en-US" sz="1600" dirty="0" err="1" smtClean="0"/>
+              <a:rPr lang="en-US" sz="1600" dirty="0" err="1"/>
               <a:t>Lum</a:t>
             </a:r>
             <a:endParaRPr lang="en-US" sz="1600" dirty="0"/>
@@ -6532,10 +6527,9 @@
           <a:p>
             <a:pPr algn="ctr"/>
             <a:r>
-              <a:rPr lang="en-US" sz="7200" dirty="0" smtClean="0"/>
+              <a:rPr lang="en-US" sz="7200" dirty="0"/>
               <a:t>Game Overview</a:t>
             </a:r>
-            <a:endParaRPr lang="en-US" sz="7200" dirty="0"/>
           </a:p>
         </p:txBody>
       </p:sp>
@@ -6560,7 +6554,7 @@
               <a:buNone/>
             </a:pPr>
             <a:r>
-              <a:rPr lang="en-US" sz="2400" dirty="0" smtClean="0"/>
+              <a:rPr lang="en-US" sz="2400" dirty="0"/>
               <a:t>-Players start with X amount of cards</a:t>
             </a:r>
           </a:p>
@@ -6569,22 +6563,17 @@
               <a:buNone/>
             </a:pPr>
             <a:r>
-              <a:rPr lang="en-US" sz="2400" dirty="0" smtClean="0"/>
-              <a:t>-All players share hands similar to Texas Hold ‘</a:t>
-            </a:r>
-            <a:r>
-              <a:rPr lang="en-US" sz="2400" dirty="0" err="1" smtClean="0"/>
-              <a:t>em</a:t>
-            </a:r>
-            <a:endParaRPr lang="en-US" sz="2400" dirty="0" smtClean="0"/>
+              <a:rPr lang="en-US" sz="2400" dirty="0"/>
+              <a:t>-Wild cards to increase the number of combinations</a:t>
+            </a:r>
           </a:p>
           <a:p>
             <a:pPr marL="0" indent="0">
               <a:buNone/>
             </a:pPr>
             <a:r>
-              <a:rPr lang="en-US" sz="2400" dirty="0" smtClean="0"/>
-              <a:t>-Wild cards make game fun!</a:t>
+              <a:rPr lang="en-US" sz="2400" dirty="0"/>
+              <a:t>-Players take turns calling a higher hand </a:t>
             </a:r>
           </a:p>
           <a:p>
@@ -6593,15 +6582,16 @@
             </a:pPr>
             <a:r>
               <a:rPr lang="en-US" sz="2400" dirty="0"/>
-              <a:t>-Players take turns calling the highest hand (e.g. </a:t>
-            </a:r>
-            <a:r>
-              <a:rPr lang="en-US" sz="2400" dirty="0" smtClean="0"/>
-              <a:t>7 </a:t>
-            </a:r>
+              <a:t>-Call B.S. on a hand that you think does not exist</a:t>
+            </a:r>
+          </a:p>
+          <a:p>
+            <a:pPr marL="0" indent="0">
+              <a:buNone/>
+            </a:pPr>
             <a:r>
               <a:rPr lang="en-US" sz="2400" dirty="0"/>
-              <a:t>Aces)</a:t>
+              <a:t>-Lose if you call B.S. falsely or was correctly called on yours</a:t>
             </a:r>
           </a:p>
           <a:p>
@@ -6609,33 +6599,16 @@
               <a:buNone/>
             </a:pPr>
             <a:r>
-              <a:rPr lang="en-US" sz="2400" dirty="0" smtClean="0"/>
-              <a:t>-Call B.S. on hand you think doesn’t exist</a:t>
-            </a:r>
-          </a:p>
-          <a:p>
-            <a:pPr marL="0" indent="0">
+              <a:rPr lang="en-US" sz="2400" dirty="0"/>
+              <a:t>-Loser of round starts with one less card</a:t>
+            </a:r>
+          </a:p>
+          <a:p>
+            <a:pPr marL="0" indent="0" algn="ctr">
               <a:buNone/>
             </a:pPr>
             <a:r>
-              <a:rPr lang="en-US" sz="2400" dirty="0" smtClean="0"/>
-              <a:t>-Loser of round is person with wrong hand or the </a:t>
-            </a:r>
-            <a:r>
-              <a:rPr lang="en-US" sz="2400" dirty="0" err="1" smtClean="0"/>
-              <a:t>B.S’er</a:t>
-            </a:r>
-            <a:r>
-              <a:rPr lang="en-US" sz="2400" dirty="0" smtClean="0"/>
-              <a:t>.</a:t>
-            </a:r>
-          </a:p>
-          <a:p>
-            <a:pPr marL="0" indent="0" algn="ctr">
-              <a:buNone/>
-            </a:pPr>
-            <a:r>
-              <a:rPr lang="en-US" sz="6000" dirty="0" smtClean="0">
+              <a:rPr lang="en-US" sz="6000" dirty="0">
                 <a:effectLst>
                   <a:glow rad="635000">
                     <a:srgbClr val="FF0000"/>
@@ -6644,13 +6617,6 @@
               </a:rPr>
               <a:t>-SUDDEN DEATH</a:t>
             </a:r>
-            <a:endParaRPr lang="en-US" sz="6000" dirty="0">
-              <a:effectLst>
-                <a:glow rad="635000">
-                  <a:srgbClr val="FF0000"/>
-                </a:glow>
-              </a:effectLst>
-            </a:endParaRPr>
           </a:p>
         </p:txBody>
       </p:sp>
@@ -7159,7 +7125,7 @@
           <a:p>
             <a:pPr algn="ctr"/>
             <a:r>
-              <a:rPr lang="en-US" sz="7200" dirty="0" err="1" smtClean="0"/>
+              <a:rPr lang="en-US" sz="7200" dirty="0" err="1"/>
               <a:t>WireFrames</a:t>
             </a:r>
             <a:endParaRPr lang="en-US" sz="7200" dirty="0"/>
@@ -7187,10 +7153,9 @@
               <a:buNone/>
             </a:pPr>
             <a:r>
-              <a:rPr lang="en-US" sz="8800" dirty="0" smtClean="0"/>
+              <a:rPr lang="en-US" sz="8800" dirty="0"/>
               <a:t>On the next page</a:t>
             </a:r>
-            <a:endParaRPr lang="en-US" sz="8800" dirty="0"/>
           </a:p>
         </p:txBody>
       </p:sp>
@@ -7406,13 +7371,6 @@
   <p:clrMapOvr>
     <a:masterClrMapping/>
   </p:clrMapOvr>
-  <p:timing>
-    <p:tnLst>
-      <p:par>
-        <p:cTn id="1" dur="indefinite" restart="never" nodeType="tmRoot"/>
-      </p:par>
-    </p:tnLst>
-  </p:timing>
 </p:sld>
 </file>
 
@@ -7488,13 +7446,6 @@
   <p:clrMapOvr>
     <a:masterClrMapping/>
   </p:clrMapOvr>
-  <p:timing>
-    <p:tnLst>
-      <p:par>
-        <p:cTn id="1" dur="indefinite" restart="never" nodeType="tmRoot"/>
-      </p:par>
-    </p:tnLst>
-  </p:timing>
 </p:sld>
 </file>
 
@@ -7570,13 +7521,6 @@
   <p:clrMapOvr>
     <a:masterClrMapping/>
   </p:clrMapOvr>
-  <p:timing>
-    <p:tnLst>
-      <p:par>
-        <p:cTn id="1" dur="indefinite" restart="never" nodeType="tmRoot"/>
-      </p:par>
-    </p:tnLst>
-  </p:timing>
 </p:sld>
 </file>
 
@@ -7652,13 +7596,6 @@
   <p:clrMapOvr>
     <a:masterClrMapping/>
   </p:clrMapOvr>
-  <p:timing>
-    <p:tnLst>
-      <p:par>
-        <p:cTn id="1" dur="indefinite" restart="never" nodeType="tmRoot"/>
-      </p:par>
-    </p:tnLst>
-  </p:timing>
 </p:sld>
 </file>
 
@@ -7734,13 +7671,6 @@
   <p:clrMapOvr>
     <a:masterClrMapping/>
   </p:clrMapOvr>
-  <p:timing>
-    <p:tnLst>
-      <p:par>
-        <p:cTn id="1" dur="indefinite" restart="never" nodeType="tmRoot"/>
-      </p:par>
-    </p:tnLst>
-  </p:timing>
 </p:sld>
 </file>
 
@@ -7778,10 +7708,9 @@
           <a:p>
             <a:pPr algn="ctr"/>
             <a:r>
-              <a:rPr lang="en-US" sz="7200" dirty="0" smtClean="0"/>
+              <a:rPr lang="en-US" sz="7200" dirty="0"/>
               <a:t>End of Presentation</a:t>
             </a:r>
-            <a:endParaRPr lang="en-US" sz="7200" dirty="0"/>
           </a:p>
         </p:txBody>
       </p:sp>
@@ -7806,10 +7735,9 @@
               <a:buNone/>
             </a:pPr>
             <a:r>
-              <a:rPr lang="en-US" sz="4000" dirty="0" smtClean="0"/>
+              <a:rPr lang="en-US" sz="4000" dirty="0"/>
               <a:t>Any Questions?</a:t>
             </a:r>
-            <a:endParaRPr lang="en-US" sz="4000" dirty="0"/>
           </a:p>
         </p:txBody>
       </p:sp>
@@ -7823,13 +7751,6 @@
   <p:clrMapOvr>
     <a:masterClrMapping/>
   </p:clrMapOvr>
-  <p:timing>
-    <p:tnLst>
-      <p:par>
-        <p:cTn id="1" dur="indefinite" restart="never" nodeType="tmRoot"/>
-      </p:par>
-    </p:tnLst>
-  </p:timing>
 </p:sld>
 </file>
 

--- a/Term Project CSC 667.pptx
+++ b/Term Project CSC 667.pptx
@@ -8,11 +8,11 @@
     <p:sldId id="256" r:id="rId2"/>
     <p:sldId id="257" r:id="rId3"/>
     <p:sldId id="259" r:id="rId4"/>
-    <p:sldId id="258" r:id="rId5"/>
-    <p:sldId id="260" r:id="rId6"/>
-    <p:sldId id="261" r:id="rId7"/>
+    <p:sldId id="263" r:id="rId5"/>
+    <p:sldId id="261" r:id="rId6"/>
+    <p:sldId id="258" r:id="rId7"/>
     <p:sldId id="262" r:id="rId8"/>
-    <p:sldId id="263" r:id="rId9"/>
+    <p:sldId id="260" r:id="rId9"/>
     <p:sldId id="264" r:id="rId10"/>
   </p:sldIdLst>
   <p:sldSz cx="12192000" cy="6858000"/>
@@ -303,7 +303,7 @@
           <a:p>
             <a:fld id="{4AAD347D-5ACD-4C99-B74B-A9C85AD731AF}" type="datetimeFigureOut">
               <a:rPr lang="en-US" dirty="0"/>
-              <a:t>3/10/2017</a:t>
+              <a:t>3/11/2017</a:t>
             </a:fld>
             <a:endParaRPr lang="en-US" dirty="0"/>
           </a:p>
@@ -573,7 +573,7 @@
           <a:p>
             <a:fld id="{4509A250-FF31-4206-8172-F9D3106AACB1}" type="datetimeFigureOut">
               <a:rPr lang="en-US" dirty="0"/>
-              <a:t>3/10/2017</a:t>
+              <a:t>3/11/2017</a:t>
             </a:fld>
             <a:endParaRPr lang="en-US" dirty="0"/>
           </a:p>
@@ -762,7 +762,7 @@
           <a:p>
             <a:fld id="{4509A250-FF31-4206-8172-F9D3106AACB1}" type="datetimeFigureOut">
               <a:rPr lang="en-US" dirty="0"/>
-              <a:t>3/10/2017</a:t>
+              <a:t>3/11/2017</a:t>
             </a:fld>
             <a:endParaRPr lang="en-US" dirty="0"/>
           </a:p>
@@ -1025,7 +1025,7 @@
           <a:p>
             <a:fld id="{4509A250-FF31-4206-8172-F9D3106AACB1}" type="datetimeFigureOut">
               <a:rPr lang="en-US" dirty="0"/>
-              <a:t>3/10/2017</a:t>
+              <a:t>3/11/2017</a:t>
             </a:fld>
             <a:endParaRPr lang="en-US" dirty="0"/>
           </a:p>
@@ -1352,7 +1352,7 @@
           <a:p>
             <a:fld id="{4509A250-FF31-4206-8172-F9D3106AACB1}" type="datetimeFigureOut">
               <a:rPr lang="en-US" dirty="0"/>
-              <a:t>3/10/2017</a:t>
+              <a:t>3/11/2017</a:t>
             </a:fld>
             <a:endParaRPr lang="en-US" dirty="0"/>
           </a:p>
@@ -1957,7 +1957,7 @@
           <a:p>
             <a:fld id="{4509A250-FF31-4206-8172-F9D3106AACB1}" type="datetimeFigureOut">
               <a:rPr lang="en-US" dirty="0"/>
-              <a:t>3/10/2017</a:t>
+              <a:t>3/11/2017</a:t>
             </a:fld>
             <a:endParaRPr lang="en-US" dirty="0"/>
           </a:p>
@@ -2799,7 +2799,7 @@
           <a:p>
             <a:fld id="{4509A250-FF31-4206-8172-F9D3106AACB1}" type="datetimeFigureOut">
               <a:rPr lang="en-US" dirty="0"/>
-              <a:t>3/10/2017</a:t>
+              <a:t>3/11/2017</a:t>
             </a:fld>
             <a:endParaRPr lang="en-US" dirty="0"/>
           </a:p>
@@ -2964,7 +2964,7 @@
           <a:p>
             <a:fld id="{4509A250-FF31-4206-8172-F9D3106AACB1}" type="datetimeFigureOut">
               <a:rPr lang="en-US" dirty="0"/>
-              <a:t>3/10/2017</a:t>
+              <a:t>3/11/2017</a:t>
             </a:fld>
             <a:endParaRPr lang="en-US" dirty="0"/>
           </a:p>
@@ -3139,7 +3139,7 @@
           <a:p>
             <a:fld id="{4509A250-FF31-4206-8172-F9D3106AACB1}" type="datetimeFigureOut">
               <a:rPr lang="en-US" dirty="0"/>
-              <a:t>3/10/2017</a:t>
+              <a:t>3/11/2017</a:t>
             </a:fld>
             <a:endParaRPr lang="en-US" dirty="0"/>
           </a:p>
@@ -3304,7 +3304,7 @@
           <a:p>
             <a:fld id="{4509A250-FF31-4206-8172-F9D3106AACB1}" type="datetimeFigureOut">
               <a:rPr lang="en-US" dirty="0"/>
-              <a:t>3/10/2017</a:t>
+              <a:t>3/11/2017</a:t>
             </a:fld>
             <a:endParaRPr lang="en-US" dirty="0"/>
           </a:p>
@@ -3543,7 +3543,7 @@
           <a:p>
             <a:fld id="{9796027F-7875-4030-9381-8BD8C4F21935}" type="datetimeFigureOut">
               <a:rPr lang="en-US" dirty="0"/>
-              <a:t>3/10/2017</a:t>
+              <a:t>3/11/2017</a:t>
             </a:fld>
             <a:endParaRPr lang="en-US" dirty="0"/>
           </a:p>
@@ -3830,7 +3830,7 @@
           <a:p>
             <a:fld id="{9796027F-7875-4030-9381-8BD8C4F21935}" type="datetimeFigureOut">
               <a:rPr lang="en-US" dirty="0"/>
-              <a:t>3/10/2017</a:t>
+              <a:t>3/11/2017</a:t>
             </a:fld>
             <a:endParaRPr lang="en-US" dirty="0"/>
           </a:p>
@@ -4263,7 +4263,7 @@
           <a:p>
             <a:fld id="{9796027F-7875-4030-9381-8BD8C4F21935}" type="datetimeFigureOut">
               <a:rPr lang="en-US" dirty="0"/>
-              <a:t>3/10/2017</a:t>
+              <a:t>3/11/2017</a:t>
             </a:fld>
             <a:endParaRPr lang="en-US" dirty="0"/>
           </a:p>
@@ -4376,7 +4376,7 @@
           <a:p>
             <a:fld id="{4509A250-FF31-4206-8172-F9D3106AACB1}" type="datetimeFigureOut">
               <a:rPr lang="en-US" dirty="0"/>
-              <a:t>3/10/2017</a:t>
+              <a:t>3/11/2017</a:t>
             </a:fld>
             <a:endParaRPr lang="en-US" dirty="0"/>
           </a:p>
@@ -4466,7 +4466,7 @@
           <a:p>
             <a:fld id="{4509A250-FF31-4206-8172-F9D3106AACB1}" type="datetimeFigureOut">
               <a:rPr lang="en-US" dirty="0"/>
-              <a:t>3/10/2017</a:t>
+              <a:t>3/11/2017</a:t>
             </a:fld>
             <a:endParaRPr lang="en-US" dirty="0"/>
           </a:p>
@@ -4740,7 +4740,7 @@
           <a:p>
             <a:fld id="{4509A250-FF31-4206-8172-F9D3106AACB1}" type="datetimeFigureOut">
               <a:rPr lang="en-US" dirty="0"/>
-              <a:t>3/10/2017</a:t>
+              <a:t>3/11/2017</a:t>
             </a:fld>
             <a:endParaRPr lang="en-US" dirty="0"/>
           </a:p>
@@ -5010,7 +5010,7 @@
           <a:p>
             <a:fld id="{4509A250-FF31-4206-8172-F9D3106AACB1}" type="datetimeFigureOut">
               <a:rPr lang="en-US" dirty="0"/>
-              <a:t>3/10/2017</a:t>
+              <a:t>3/11/2017</a:t>
             </a:fld>
             <a:endParaRPr lang="en-US" dirty="0"/>
           </a:p>
@@ -5434,7 +5434,7 @@
           <a:p>
             <a:fld id="{4AAD347D-5ACD-4C99-B74B-A9C85AD731AF}" type="datetimeFigureOut">
               <a:rPr lang="en-US" dirty="0"/>
-              <a:t>3/10/2017</a:t>
+              <a:t>3/11/2017</a:t>
             </a:fld>
             <a:endParaRPr lang="en-US" dirty="0"/>
           </a:p>
@@ -7331,7 +7331,7 @@
           <a:bodyPr/>
           <a:lstStyle/>
           <a:p>
-            <a:endParaRPr lang="en-US" dirty="0"/>
+            <a:endParaRPr lang="en-US"/>
           </a:p>
         </p:txBody>
       </p:sp>
@@ -7353,8 +7353,8 @@
         </p:blipFill>
         <p:spPr>
           <a:xfrm rot="5400000">
-            <a:off x="2666999" y="-2667001"/>
-            <a:ext cx="6858000" cy="12192002"/>
+            <a:off x="2665432" y="-2668568"/>
+            <a:ext cx="6861136" cy="12192003"/>
           </a:xfrm>
           <a:prstGeom prst="rect">
             <a:avLst/>
@@ -7364,7 +7364,7 @@
     </p:spTree>
     <p:extLst>
       <p:ext uri="{BB962C8B-B14F-4D97-AF65-F5344CB8AC3E}">
-        <p14:creationId xmlns:p14="http://schemas.microsoft.com/office/powerpoint/2010/main" val="1915458348"/>
+        <p14:creationId xmlns:p14="http://schemas.microsoft.com/office/powerpoint/2010/main" val="2496238171"/>
       </p:ext>
     </p:extLst>
   </p:cSld>
@@ -7428,8 +7428,8 @@
         </p:blipFill>
         <p:spPr>
           <a:xfrm rot="5400000">
-            <a:off x="2669298" y="-2666212"/>
-            <a:ext cx="6853403" cy="12192001"/>
+            <a:off x="2667000" y="-2667001"/>
+            <a:ext cx="6858001" cy="12192002"/>
           </a:xfrm>
           <a:prstGeom prst="rect">
             <a:avLst/>
@@ -7439,7 +7439,7 @@
     </p:spTree>
     <p:extLst>
       <p:ext uri="{BB962C8B-B14F-4D97-AF65-F5344CB8AC3E}">
-        <p14:creationId xmlns:p14="http://schemas.microsoft.com/office/powerpoint/2010/main" val="1286022641"/>
+        <p14:creationId xmlns:p14="http://schemas.microsoft.com/office/powerpoint/2010/main" val="174684071"/>
       </p:ext>
     </p:extLst>
   </p:cSld>
@@ -7481,7 +7481,7 @@
           <a:bodyPr/>
           <a:lstStyle/>
           <a:p>
-            <a:endParaRPr lang="en-US"/>
+            <a:endParaRPr lang="en-US" dirty="0"/>
           </a:p>
         </p:txBody>
       </p:sp>
@@ -7503,8 +7503,8 @@
         </p:blipFill>
         <p:spPr>
           <a:xfrm rot="5400000">
-            <a:off x="2667000" y="-2667001"/>
-            <a:ext cx="6858001" cy="12192002"/>
+            <a:off x="2666999" y="-2667001"/>
+            <a:ext cx="6858000" cy="12192002"/>
           </a:xfrm>
           <a:prstGeom prst="rect">
             <a:avLst/>
@@ -7514,7 +7514,7 @@
     </p:spTree>
     <p:extLst>
       <p:ext uri="{BB962C8B-B14F-4D97-AF65-F5344CB8AC3E}">
-        <p14:creationId xmlns:p14="http://schemas.microsoft.com/office/powerpoint/2010/main" val="174684071"/>
+        <p14:creationId xmlns:p14="http://schemas.microsoft.com/office/powerpoint/2010/main" val="1915458348"/>
       </p:ext>
     </p:extLst>
   </p:cSld>
@@ -7653,8 +7653,8 @@
         </p:blipFill>
         <p:spPr>
           <a:xfrm rot="5400000">
-            <a:off x="2665432" y="-2668568"/>
-            <a:ext cx="6861136" cy="12192003"/>
+            <a:off x="2669298" y="-2666212"/>
+            <a:ext cx="6853403" cy="12192001"/>
           </a:xfrm>
           <a:prstGeom prst="rect">
             <a:avLst/>
@@ -7664,7 +7664,7 @@
     </p:spTree>
     <p:extLst>
       <p:ext uri="{BB962C8B-B14F-4D97-AF65-F5344CB8AC3E}">
-        <p14:creationId xmlns:p14="http://schemas.microsoft.com/office/powerpoint/2010/main" val="2496238171"/>
+        <p14:creationId xmlns:p14="http://schemas.microsoft.com/office/powerpoint/2010/main" val="1286022641"/>
       </p:ext>
     </p:extLst>
   </p:cSld>
